--- a/Lectures/Week01/Lecture02.pptx
+++ b/Lectures/Week01/Lecture02.pptx
@@ -5132,7 +5132,7 @@
             </a:pPr>
             <a:r>
               <a:rPr lang="en-US" dirty="0"/>
-              <a:t>Here, for example, is a graphical representation of </a:t>
+              <a:t>Here, for example, is a graphical representation of a </a:t>
             </a:r>
             <a:r>
               <a:rPr lang="en-US" b="1" dirty="0">
@@ -5898,8 +5898,8 @@
           </a:p>
         </p:txBody>
       </p:sp>
-      <mc:AlternateContent xmlns:mc="http://schemas.openxmlformats.org/markup-compatibility/2006" xmlns:a14="http://schemas.microsoft.com/office/drawing/2010/main">
-        <mc:Choice Requires="a14">
+      <mc:AlternateContent xmlns:mc="http://schemas.openxmlformats.org/markup-compatibility/2006">
+        <mc:Choice xmlns:a14="http://schemas.microsoft.com/office/drawing/2010/main" Requires="a14">
           <p:sp>
             <p:nvSpPr>
               <p:cNvPr id="8" name="Content Placeholder 7">
@@ -6214,7 +6214,7 @@
                 </a:pPr>
                 <a:r>
                   <a:rPr lang="en-US" dirty="0"/>
-                  <a:t>perhaps using the </a:t>
+                  <a:t>using the </a:t>
                 </a:r>
                 <a:r>
                   <a:rPr lang="en-US" i="1" dirty="0">
@@ -6238,7 +6238,7 @@
             </p:txBody>
           </p:sp>
         </mc:Choice>
-        <mc:Fallback xmlns="">
+        <mc:Fallback>
           <p:sp>
             <p:nvSpPr>
               <p:cNvPr id="8" name="Content Placeholder 7">
@@ -8255,8 +8255,8 @@
           </a:p>
         </p:txBody>
       </p:sp>
-      <mc:AlternateContent xmlns:mc="http://schemas.openxmlformats.org/markup-compatibility/2006" xmlns:a14="http://schemas.microsoft.com/office/drawing/2010/main">
-        <mc:Choice Requires="a14">
+      <mc:AlternateContent xmlns:mc="http://schemas.openxmlformats.org/markup-compatibility/2006">
+        <mc:Choice xmlns:a14="http://schemas.microsoft.com/office/drawing/2010/main" Requires="a14">
           <p:sp>
             <p:nvSpPr>
               <p:cNvPr id="8" name="Content Placeholder 7">
@@ -8283,7 +8283,7 @@
                 </a:pPr>
                 <a:r>
                   <a:rPr lang="en-US" dirty="0"/>
-                  <a:t>In machine learning, one minimizes</a:t>
+                  <a:t>In machine learning, the least-squares fit is generalized to</a:t>
                 </a:r>
               </a:p>
               <a:p>
@@ -8750,15 +8750,52 @@
                 <a:pPr marL="0" indent="0">
                   <a:buNone/>
                 </a:pPr>
+                <a:endParaRPr lang="en-US" dirty="0"/>
+              </a:p>
+              <a:p>
+                <a:pPr marL="0" indent="0">
+                  <a:buNone/>
+                </a:pPr>
                 <a:r>
                   <a:rPr lang="en-US" dirty="0"/>
-                  <a:t>This is just a generalization of least-squared fitting.</a:t>
+                  <a:t>Warning: In ML, </a:t>
+                </a:r>
+                <a14:m>
+                  <m:oMath xmlns:m="http://schemas.openxmlformats.org/officeDocument/2006/math">
+                    <m:r>
+                      <a:rPr lang="en-US" i="1">
+                        <a:latin typeface="Cambria Math" panose="02040503050406030204" pitchFamily="18" charset="0"/>
+                      </a:rPr>
+                      <m:t>𝑅</m:t>
+                    </m:r>
+                    <m:d>
+                      <m:dPr>
+                        <m:ctrlPr>
+                          <a:rPr lang="en-US" i="1">
+                            <a:latin typeface="Cambria Math" panose="02040503050406030204" pitchFamily="18" charset="0"/>
+                          </a:rPr>
+                        </m:ctrlPr>
+                      </m:dPr>
+                      <m:e>
+                        <m:r>
+                          <a:rPr lang="en-US" i="1">
+                            <a:latin typeface="Cambria Math" panose="02040503050406030204" pitchFamily="18" charset="0"/>
+                          </a:rPr>
+                          <m:t>𝜔</m:t>
+                        </m:r>
+                      </m:e>
+                    </m:d>
+                  </m:oMath>
+                </a14:m>
+                <a:r>
+                  <a:rPr lang="en-US" dirty="0"/>
+                  <a:t> is sometimes referred to as the “loss”.</a:t>
                 </a:r>
               </a:p>
             </p:txBody>
           </p:sp>
         </mc:Choice>
-        <mc:Fallback xmlns="">
+        <mc:Fallback>
           <p:sp>
             <p:nvSpPr>
               <p:cNvPr id="8" name="Content Placeholder 7">
@@ -8779,7 +8816,7 @@
               <a:blipFill>
                 <a:blip r:embed="rId2"/>
                 <a:stretch>
-                  <a:fillRect l="-1305" t="-16579"/>
+                  <a:fillRect l="-1305" t="-16579" r="-489" b="-2105"/>
                 </a:stretch>
               </a:blipFill>
             </p:spPr>
@@ -8984,7 +9021,7 @@
                                         <p:tgtEl>
                                           <p:spTgt spid="8">
                                             <p:txEl>
-                                              <p:pRg st="5" end="5"/>
+                                              <p:pRg st="6" end="6"/>
                                             </p:txEl>
                                           </p:spTgt>
                                         </p:tgtEl>
@@ -9002,7 +9039,7 @@
                                         <p:tgtEl>
                                           <p:spTgt spid="8">
                                             <p:txEl>
-                                              <p:pRg st="5" end="5"/>
+                                              <p:pRg st="6" end="6"/>
                                             </p:txEl>
                                           </p:spTgt>
                                         </p:tgtEl>

--- a/Lectures/Week01/Lecture02.pptx
+++ b/Lectures/Week01/Lecture02.pptx
@@ -5898,8 +5898,8 @@
           </a:p>
         </p:txBody>
       </p:sp>
-      <mc:AlternateContent xmlns:mc="http://schemas.openxmlformats.org/markup-compatibility/2006">
-        <mc:Choice xmlns:a14="http://schemas.microsoft.com/office/drawing/2010/main" Requires="a14">
+      <mc:AlternateContent xmlns:mc="http://schemas.openxmlformats.org/markup-compatibility/2006" xmlns:a14="http://schemas.microsoft.com/office/drawing/2010/main">
+        <mc:Choice Requires="a14">
           <p:sp>
             <p:nvSpPr>
               <p:cNvPr id="8" name="Content Placeholder 7">
@@ -6238,7 +6238,7 @@
             </p:txBody>
           </p:sp>
         </mc:Choice>
-        <mc:Fallback>
+        <mc:Fallback xmlns="">
           <p:sp>
             <p:nvSpPr>
               <p:cNvPr id="8" name="Content Placeholder 7">
@@ -8255,8 +8255,8 @@
           </a:p>
         </p:txBody>
       </p:sp>
-      <mc:AlternateContent xmlns:mc="http://schemas.openxmlformats.org/markup-compatibility/2006">
-        <mc:Choice xmlns:a14="http://schemas.microsoft.com/office/drawing/2010/main" Requires="a14">
+      <mc:AlternateContent xmlns:mc="http://schemas.openxmlformats.org/markup-compatibility/2006" xmlns:a14="http://schemas.microsoft.com/office/drawing/2010/main">
+        <mc:Choice Requires="a14">
           <p:sp>
             <p:nvSpPr>
               <p:cNvPr id="8" name="Content Placeholder 7">
@@ -8795,7 +8795,7 @@
             </p:txBody>
           </p:sp>
         </mc:Choice>
-        <mc:Fallback>
+        <mc:Fallback xmlns="">
           <p:sp>
             <p:nvSpPr>
               <p:cNvPr id="8" name="Content Placeholder 7">
